--- a/OverheadSigns/WorkOrders2020PPTX/794.pptx
+++ b/OverheadSigns/WorkOrders2020PPTX/794.pptx
@@ -3205,7 +3205,8 @@
 Created Date: 2020-08-10
 Location Name:  SOUTHWEST PKWY / MOPAC EXPY SVRD
 Intersection ID: 5148537
-Cardinal Direction: N</a:t>
+Cardinal Direction: N
+Work Order ID: SG-20794 </a:t>
             </a:r>
           </a:p>
         </p:txBody>
@@ -3536,7 +3537,8 @@
 Created Date: 2020-08-10
 Location Name:  SOUTHWEST PKWY / MOPAC EXPY SVRD
 Intersection ID: 5148537
-Cardinal Direction: S</a:t>
+Cardinal Direction: S
+Work Order ID: SG-20794 </a:t>
             </a:r>
           </a:p>
         </p:txBody>
@@ -3861,7 +3863,8 @@
 Created Date: 2020-08-10
 Location Name:  SOUTHWEST PKWY / MOPAC EXPY SVRD
 Intersection ID: 5148537
-Cardinal Direction: E</a:t>
+Cardinal Direction: E
+Work Order ID: SG-20794 </a:t>
             </a:r>
           </a:p>
         </p:txBody>
@@ -4192,7 +4195,8 @@
 Created Date: 2020-08-10
 Location Name:  SOUTHWEST PKWY / MOPAC EXPY SVRD
 Intersection ID: 5148537
-Cardinal Direction: W</a:t>
+Cardinal Direction: W
+Work Order ID: SG-20794 </a:t>
             </a:r>
           </a:p>
         </p:txBody>
